--- a/ppt/MLOps02-DataLakeAndMart.pptx
+++ b/ppt/MLOps02-DataLakeAndMart.pptx
@@ -5,10 +5,10 @@
     <p:sldMasterId id="2147483653" r:id="rId1"/>
   </p:sldMasterIdLst>
   <p:notesMasterIdLst>
-    <p:notesMasterId r:id="rId21"/>
+    <p:notesMasterId r:id="rId20"/>
   </p:notesMasterIdLst>
   <p:handoutMasterIdLst>
-    <p:handoutMasterId r:id="rId22"/>
+    <p:handoutMasterId r:id="rId21"/>
   </p:handoutMasterIdLst>
   <p:sldIdLst>
     <p:sldId id="264" r:id="rId2"/>
@@ -25,11 +25,10 @@
     <p:sldId id="326" r:id="rId13"/>
     <p:sldId id="272" r:id="rId14"/>
     <p:sldId id="273" r:id="rId15"/>
-    <p:sldId id="271" r:id="rId16"/>
-    <p:sldId id="276" r:id="rId17"/>
-    <p:sldId id="277" r:id="rId18"/>
-    <p:sldId id="278" r:id="rId19"/>
-    <p:sldId id="283" r:id="rId20"/>
+    <p:sldId id="276" r:id="rId16"/>
+    <p:sldId id="277" r:id="rId17"/>
+    <p:sldId id="278" r:id="rId18"/>
+    <p:sldId id="283" r:id="rId19"/>
   </p:sldIdLst>
   <p:sldSz cx="9144000" cy="6858000" type="screen4x3"/>
   <p:notesSz cx="6648450" cy="9782175"/>
@@ -1161,7 +1160,7 @@
             <a:fld id="{5C37DEC5-F0E7-45E3-9A48-F3AACEF1E265}" type="slidenum">
               <a:rPr lang="fr-FR" altLang="fr-FR" sz="800"/>
               <a:pPr eaLnBrk="1" hangingPunct="1"/>
-              <a:t>19</a:t>
+              <a:t>18</a:t>
             </a:fld>
             <a:endParaRPr lang="fr-FR" altLang="fr-FR" sz="800"/>
           </a:p>
@@ -4655,12 +4654,8 @@
           <a:lstStyle/>
           <a:p>
             <a:r>
-              <a:rPr lang="fr-FR" dirty="0"/>
-              <a:t>Définition de </a:t>
-            </a:r>
-            <a:r>
               <a:rPr lang="fr-FR" dirty="0" err="1"/>
-              <a:t>Inmon</a:t>
+              <a:t>Hadoop</a:t>
             </a:r>
             <a:endParaRPr lang="fr-FR" dirty="0"/>
           </a:p>
@@ -4683,26 +4678,44 @@
           <a:p>
             <a:r>
               <a:rPr lang="fr-FR" dirty="0"/>
-              <a:t>Le </a:t>
+              <a:t>Google </a:t>
             </a:r>
             <a:r>
               <a:rPr lang="fr-FR" dirty="0" err="1"/>
-              <a:t>DataMart</a:t>
-            </a:r>
-            <a:r>
-              <a:rPr lang="fr-FR" dirty="0"/>
-              <a:t> est issu d’un flux de données provenant du </a:t>
-            </a:r>
+              <a:t>Hadoop</a:t>
+            </a:r>
+            <a:endParaRPr lang="fr-FR" dirty="0"/>
+          </a:p>
+          <a:p>
             <a:r>
               <a:rPr lang="fr-FR" dirty="0" err="1"/>
-              <a:t>DataWarehouse</a:t>
-            </a:r>
-            <a:endParaRPr lang="fr-FR" dirty="0"/>
-          </a:p>
-          <a:p>
-            <a:r>
-              <a:rPr lang="fr-FR" dirty="0"/>
-              <a:t>Contrairement à ce dernier qui présente le détail des données pour toute l’entreprise, il a vocation à présenter la donnée de manière spécialisée, agrégée et regroupée fonctionnellement</a:t>
+              <a:t>Big</a:t>
+            </a:r>
+            <a:r>
+              <a:rPr lang="fr-FR" dirty="0"/>
+              <a:t> Data</a:t>
+            </a:r>
+          </a:p>
+          <a:p>
+            <a:r>
+              <a:rPr lang="fr-FR" dirty="0"/>
+              <a:t>Non structuré</a:t>
+            </a:r>
+          </a:p>
+          <a:p>
+            <a:r>
+              <a:rPr lang="fr-FR" dirty="0" err="1"/>
+              <a:t>Peta</a:t>
+            </a:r>
+            <a:r>
+              <a:rPr lang="fr-FR" dirty="0"/>
+              <a:t>-octet</a:t>
+            </a:r>
+          </a:p>
+          <a:p>
+            <a:r>
+              <a:rPr lang="fr-FR" dirty="0"/>
+              <a:t>Cloud</a:t>
             </a:r>
           </a:p>
         </p:txBody>
@@ -4710,7 +4723,7 @@
     </p:spTree>
     <p:extLst>
       <p:ext uri="{BB962C8B-B14F-4D97-AF65-F5344CB8AC3E}">
-        <p14:creationId xmlns:p14="http://schemas.microsoft.com/office/powerpoint/2010/main" val="1076848123"/>
+        <p14:creationId xmlns:p14="http://schemas.microsoft.com/office/powerpoint/2010/main" val="240956665"/>
       </p:ext>
     </p:extLst>
   </p:cSld>
@@ -4753,8 +4766,20 @@
           <a:lstStyle/>
           <a:p>
             <a:r>
+              <a:rPr lang="fr-FR" dirty="0"/>
+              <a:t>Transformer le </a:t>
+            </a:r>
+            <a:r>
               <a:rPr lang="fr-FR" dirty="0" err="1"/>
-              <a:t>Hadoop</a:t>
+              <a:t>DataLake</a:t>
+            </a:r>
+            <a:r>
+              <a:rPr lang="fr-FR" dirty="0"/>
+              <a:t> en </a:t>
+            </a:r>
+            <a:r>
+              <a:rPr lang="fr-FR" dirty="0" err="1"/>
+              <a:t>DataMart</a:t>
             </a:r>
             <a:endParaRPr lang="fr-FR" dirty="0"/>
           </a:p>
@@ -4777,44 +4802,68 @@
           <a:p>
             <a:r>
               <a:rPr lang="fr-FR" dirty="0"/>
-              <a:t>Google </a:t>
-            </a:r>
+              <a:t>Utilisation de données structurées</a:t>
+            </a:r>
+          </a:p>
+          <a:p>
+            <a:r>
+              <a:rPr lang="fr-FR" dirty="0"/>
+              <a:t>Base de données relationnelles</a:t>
+            </a:r>
+          </a:p>
+          <a:p>
+            <a:r>
+              <a:rPr lang="fr-FR" dirty="0"/>
+              <a:t>Base de données </a:t>
+            </a:r>
+            <a:r>
+              <a:rPr lang="fr-FR" dirty="0" err="1"/>
+              <a:t>big</a:t>
+            </a:r>
+            <a:r>
+              <a:rPr lang="fr-FR" dirty="0"/>
+              <a:t> data</a:t>
+            </a:r>
+          </a:p>
+          <a:p>
+            <a:pPr lvl="1"/>
             <a:r>
               <a:rPr lang="fr-FR" dirty="0" err="1"/>
               <a:t>Hadoop</a:t>
             </a:r>
+            <a:r>
+              <a:rPr lang="fr-FR" dirty="0"/>
+              <a:t> + </a:t>
+            </a:r>
+            <a:r>
+              <a:rPr lang="fr-FR" dirty="0" err="1"/>
+              <a:t>Stucturation</a:t>
+            </a:r>
             <a:endParaRPr lang="fr-FR" dirty="0"/>
           </a:p>
           <a:p>
+            <a:pPr lvl="1"/>
+            <a:r>
+              <a:rPr lang="fr-FR" dirty="0"/>
+              <a:t>Base de types JSON : </a:t>
+            </a:r>
             <a:r>
               <a:rPr lang="fr-FR" dirty="0" err="1"/>
-              <a:t>Big</a:t>
-            </a:r>
-            <a:r>
-              <a:rPr lang="fr-FR" dirty="0"/>
-              <a:t> Data</a:t>
-            </a:r>
-          </a:p>
-          <a:p>
-            <a:r>
-              <a:rPr lang="fr-FR" dirty="0"/>
-              <a:t>Non structuré</a:t>
-            </a:r>
-          </a:p>
-          <a:p>
-            <a:r>
-              <a:rPr lang="fr-FR" dirty="0" err="1"/>
-              <a:t>Peta</a:t>
-            </a:r>
-            <a:r>
-              <a:rPr lang="fr-FR" dirty="0"/>
-              <a:t>-octet</a:t>
-            </a:r>
-          </a:p>
-          <a:p>
-            <a:r>
-              <a:rPr lang="fr-FR" dirty="0"/>
-              <a:t>Cloud</a:t>
+              <a:t>MongoDB</a:t>
+            </a:r>
+            <a:endParaRPr lang="fr-FR" dirty="0"/>
+          </a:p>
+          <a:p>
+            <a:r>
+              <a:rPr lang="fr-FR" dirty="0"/>
+              <a:t>Fichiers</a:t>
+            </a:r>
+          </a:p>
+          <a:p>
+            <a:pPr lvl="1"/>
+            <a:r>
+              <a:rPr lang="fr-FR" dirty="0"/>
+              <a:t>CSV, JSON, XML</a:t>
             </a:r>
           </a:p>
         </p:txBody>
@@ -4822,7 +4871,7 @@
     </p:spTree>
     <p:extLst>
       <p:ext uri="{BB962C8B-B14F-4D97-AF65-F5344CB8AC3E}">
-        <p14:creationId xmlns:p14="http://schemas.microsoft.com/office/powerpoint/2010/main" val="240956665"/>
+        <p14:creationId xmlns:p14="http://schemas.microsoft.com/office/powerpoint/2010/main" val="2663167327"/>
       </p:ext>
     </p:extLst>
   </p:cSld>
@@ -4866,154 +4915,6 @@
           <a:p>
             <a:r>
               <a:rPr lang="fr-FR" dirty="0"/>
-              <a:t>Transformer le </a:t>
-            </a:r>
-            <a:r>
-              <a:rPr lang="fr-FR" dirty="0" err="1"/>
-              <a:t>DataLake</a:t>
-            </a:r>
-            <a:r>
-              <a:rPr lang="fr-FR" dirty="0"/>
-              <a:t> en </a:t>
-            </a:r>
-            <a:r>
-              <a:rPr lang="fr-FR" dirty="0" err="1"/>
-              <a:t>DataMart</a:t>
-            </a:r>
-            <a:endParaRPr lang="fr-FR" dirty="0"/>
-          </a:p>
-        </p:txBody>
-      </p:sp>
-      <p:sp>
-        <p:nvSpPr>
-          <p:cNvPr id="3" name="Espace réservé du contenu 2"/>
-          <p:cNvSpPr>
-            <a:spLocks noGrp="1"/>
-          </p:cNvSpPr>
-          <p:nvPr>
-            <p:ph idx="1"/>
-          </p:nvPr>
-        </p:nvSpPr>
-        <p:spPr/>
-        <p:txBody>
-          <a:bodyPr/>
-          <a:lstStyle/>
-          <a:p>
-            <a:r>
-              <a:rPr lang="fr-FR" dirty="0"/>
-              <a:t>Utilisation de données structurées</a:t>
-            </a:r>
-          </a:p>
-          <a:p>
-            <a:r>
-              <a:rPr lang="fr-FR" dirty="0"/>
-              <a:t>Base de données relationnelles</a:t>
-            </a:r>
-          </a:p>
-          <a:p>
-            <a:r>
-              <a:rPr lang="fr-FR" dirty="0"/>
-              <a:t>Base de données </a:t>
-            </a:r>
-            <a:r>
-              <a:rPr lang="fr-FR" dirty="0" err="1"/>
-              <a:t>big</a:t>
-            </a:r>
-            <a:r>
-              <a:rPr lang="fr-FR" dirty="0"/>
-              <a:t> data</a:t>
-            </a:r>
-          </a:p>
-          <a:p>
-            <a:pPr lvl="1"/>
-            <a:r>
-              <a:rPr lang="fr-FR" dirty="0" err="1"/>
-              <a:t>Hadoop</a:t>
-            </a:r>
-            <a:r>
-              <a:rPr lang="fr-FR" dirty="0"/>
-              <a:t> + </a:t>
-            </a:r>
-            <a:r>
-              <a:rPr lang="fr-FR" dirty="0" err="1"/>
-              <a:t>Stucturation</a:t>
-            </a:r>
-            <a:endParaRPr lang="fr-FR" dirty="0"/>
-          </a:p>
-          <a:p>
-            <a:pPr lvl="1"/>
-            <a:r>
-              <a:rPr lang="fr-FR" dirty="0"/>
-              <a:t>Base de types JSON : </a:t>
-            </a:r>
-            <a:r>
-              <a:rPr lang="fr-FR" dirty="0" err="1"/>
-              <a:t>MongoDB</a:t>
-            </a:r>
-            <a:endParaRPr lang="fr-FR" dirty="0"/>
-          </a:p>
-          <a:p>
-            <a:r>
-              <a:rPr lang="fr-FR" dirty="0"/>
-              <a:t>Fichiers</a:t>
-            </a:r>
-          </a:p>
-          <a:p>
-            <a:pPr lvl="1"/>
-            <a:r>
-              <a:rPr lang="fr-FR" dirty="0"/>
-              <a:t>CSV, JSON, XML</a:t>
-            </a:r>
-          </a:p>
-        </p:txBody>
-      </p:sp>
-    </p:spTree>
-    <p:extLst>
-      <p:ext uri="{BB962C8B-B14F-4D97-AF65-F5344CB8AC3E}">
-        <p14:creationId xmlns:p14="http://schemas.microsoft.com/office/powerpoint/2010/main" val="2663167327"/>
-      </p:ext>
-    </p:extLst>
-  </p:cSld>
-  <p:clrMapOvr>
-    <a:masterClrMapping/>
-  </p:clrMapOvr>
-</p:sld>
-</file>
-
-<file path=ppt/slides/slide18.xml><?xml version="1.0" encoding="utf-8"?>
-<p:sld xmlns:a="http://schemas.openxmlformats.org/drawingml/2006/main" xmlns:r="http://schemas.openxmlformats.org/officeDocument/2006/relationships" xmlns:p="http://schemas.openxmlformats.org/presentationml/2006/main">
-  <p:cSld>
-    <p:spTree>
-      <p:nvGrpSpPr>
-        <p:cNvPr id="1" name=""/>
-        <p:cNvGrpSpPr/>
-        <p:nvPr/>
-      </p:nvGrpSpPr>
-      <p:grpSpPr>
-        <a:xfrm>
-          <a:off x="0" y="0"/>
-          <a:ext cx="0" cy="0"/>
-          <a:chOff x="0" y="0"/>
-          <a:chExt cx="0" cy="0"/>
-        </a:xfrm>
-      </p:grpSpPr>
-      <p:sp>
-        <p:nvSpPr>
-          <p:cNvPr id="2" name="Titre 1"/>
-          <p:cNvSpPr>
-            <a:spLocks noGrp="1"/>
-          </p:cNvSpPr>
-          <p:nvPr>
-            <p:ph type="title"/>
-          </p:nvPr>
-        </p:nvSpPr>
-        <p:spPr/>
-        <p:txBody>
-          <a:bodyPr/>
-          <a:lstStyle/>
-          <a:p>
-            <a:r>
-              <a:rPr lang="fr-FR" dirty="0"/>
               <a:t>Nettoyage</a:t>
             </a:r>
           </a:p>
@@ -5099,7 +5000,7 @@
 </p:sld>
 </file>
 
-<file path=ppt/slides/slide19.xml><?xml version="1.0" encoding="utf-8"?>
+<file path=ppt/slides/slide18.xml><?xml version="1.0" encoding="utf-8"?>
 <p:sld xmlns:a="http://schemas.openxmlformats.org/drawingml/2006/main" xmlns:r="http://schemas.openxmlformats.org/officeDocument/2006/relationships" xmlns:p="http://schemas.openxmlformats.org/presentationml/2006/main">
   <p:cSld>
     <p:spTree>
